--- a/figures/hydra_convolution.pptx
+++ b/figures/hydra_convolution.pptx
@@ -261,7 +261,7 @@
           <a:p>
             <a:fld id="{7D10E029-D8E7-C143-B420-7D5B37D2406E}" type="datetimeFigureOut">
               <a:rPr lang="en-US" smtClean="0"/>
-              <a:t>7/14/25</a:t>
+              <a:t>7/15/25</a:t>
             </a:fld>
             <a:endParaRPr lang="en-US"/>
           </a:p>
@@ -461,7 +461,7 @@
           <a:p>
             <a:fld id="{7D10E029-D8E7-C143-B420-7D5B37D2406E}" type="datetimeFigureOut">
               <a:rPr lang="en-US" smtClean="0"/>
-              <a:t>7/14/25</a:t>
+              <a:t>7/15/25</a:t>
             </a:fld>
             <a:endParaRPr lang="en-US"/>
           </a:p>
@@ -671,7 +671,7 @@
           <a:p>
             <a:fld id="{7D10E029-D8E7-C143-B420-7D5B37D2406E}" type="datetimeFigureOut">
               <a:rPr lang="en-US" smtClean="0"/>
-              <a:t>7/14/25</a:t>
+              <a:t>7/15/25</a:t>
             </a:fld>
             <a:endParaRPr lang="en-US"/>
           </a:p>
@@ -871,7 +871,7 @@
           <a:p>
             <a:fld id="{7D10E029-D8E7-C143-B420-7D5B37D2406E}" type="datetimeFigureOut">
               <a:rPr lang="en-US" smtClean="0"/>
-              <a:t>7/14/25</a:t>
+              <a:t>7/15/25</a:t>
             </a:fld>
             <a:endParaRPr lang="en-US"/>
           </a:p>
@@ -1147,7 +1147,7 @@
           <a:p>
             <a:fld id="{7D10E029-D8E7-C143-B420-7D5B37D2406E}" type="datetimeFigureOut">
               <a:rPr lang="en-US" smtClean="0"/>
-              <a:t>7/14/25</a:t>
+              <a:t>7/15/25</a:t>
             </a:fld>
             <a:endParaRPr lang="en-US"/>
           </a:p>
@@ -1415,7 +1415,7 @@
           <a:p>
             <a:fld id="{7D10E029-D8E7-C143-B420-7D5B37D2406E}" type="datetimeFigureOut">
               <a:rPr lang="en-US" smtClean="0"/>
-              <a:t>7/14/25</a:t>
+              <a:t>7/15/25</a:t>
             </a:fld>
             <a:endParaRPr lang="en-US"/>
           </a:p>
@@ -1830,7 +1830,7 @@
           <a:p>
             <a:fld id="{7D10E029-D8E7-C143-B420-7D5B37D2406E}" type="datetimeFigureOut">
               <a:rPr lang="en-US" smtClean="0"/>
-              <a:t>7/14/25</a:t>
+              <a:t>7/15/25</a:t>
             </a:fld>
             <a:endParaRPr lang="en-US"/>
           </a:p>
@@ -1972,7 +1972,7 @@
           <a:p>
             <a:fld id="{7D10E029-D8E7-C143-B420-7D5B37D2406E}" type="datetimeFigureOut">
               <a:rPr lang="en-US" smtClean="0"/>
-              <a:t>7/14/25</a:t>
+              <a:t>7/15/25</a:t>
             </a:fld>
             <a:endParaRPr lang="en-US"/>
           </a:p>
@@ -2085,7 +2085,7 @@
           <a:p>
             <a:fld id="{7D10E029-D8E7-C143-B420-7D5B37D2406E}" type="datetimeFigureOut">
               <a:rPr lang="en-US" smtClean="0"/>
-              <a:t>7/14/25</a:t>
+              <a:t>7/15/25</a:t>
             </a:fld>
             <a:endParaRPr lang="en-US"/>
           </a:p>
@@ -2398,7 +2398,7 @@
           <a:p>
             <a:fld id="{7D10E029-D8E7-C143-B420-7D5B37D2406E}" type="datetimeFigureOut">
               <a:rPr lang="en-US" smtClean="0"/>
-              <a:t>7/14/25</a:t>
+              <a:t>7/15/25</a:t>
             </a:fld>
             <a:endParaRPr lang="en-US"/>
           </a:p>
@@ -2687,7 +2687,7 @@
           <a:p>
             <a:fld id="{7D10E029-D8E7-C143-B420-7D5B37D2406E}" type="datetimeFigureOut">
               <a:rPr lang="en-US" smtClean="0"/>
-              <a:t>7/14/25</a:t>
+              <a:t>7/15/25</a:t>
             </a:fld>
             <a:endParaRPr lang="en-US"/>
           </a:p>
@@ -2930,7 +2930,7 @@
           <a:p>
             <a:fld id="{7D10E029-D8E7-C143-B420-7D5B37D2406E}" type="datetimeFigureOut">
               <a:rPr lang="en-US" smtClean="0"/>
-              <a:t>7/14/25</a:t>
+              <a:t>7/15/25</a:t>
             </a:fld>
             <a:endParaRPr lang="en-US"/>
           </a:p>
@@ -3815,7 +3815,7 @@
                   <a:t>ω</a:t>
                 </a:r>
                 <a:r>
-                  <a:rPr lang="en-US" sz="1200" baseline="-25000" dirty="0">
+                  <a:rPr lang="en-US" sz="1200" baseline="30000" dirty="0">
                     <a:latin typeface="Times New Roman" panose="02020603050405020304" pitchFamily="18" charset="0"/>
                     <a:cs typeface="Times New Roman" panose="02020603050405020304" pitchFamily="18" charset="0"/>
                   </a:rPr>
@@ -3860,7 +3860,7 @@
                   <a:t>ω</a:t>
                 </a:r>
                 <a:r>
-                  <a:rPr lang="en-US" sz="1200" baseline="-25000" dirty="0">
+                  <a:rPr lang="en-US" sz="1200" baseline="30000" dirty="0">
                     <a:latin typeface="Times New Roman" panose="02020603050405020304" pitchFamily="18" charset="0"/>
                     <a:cs typeface="Times New Roman" panose="02020603050405020304" pitchFamily="18" charset="0"/>
                   </a:rPr>
@@ -3905,7 +3905,7 @@
                   <a:t>ω</a:t>
                 </a:r>
                 <a:r>
-                  <a:rPr lang="en-US" sz="1200" baseline="-25000" dirty="0">
+                  <a:rPr lang="en-US" sz="1200" baseline="30000" dirty="0">
                     <a:latin typeface="Times New Roman" panose="02020603050405020304" pitchFamily="18" charset="0"/>
                     <a:cs typeface="Times New Roman" panose="02020603050405020304" pitchFamily="18" charset="0"/>
                   </a:rPr>
@@ -3959,13 +3959,13 @@
               <a:t>ω</a:t>
             </a:r>
             <a:r>
-              <a:rPr lang="en-US" baseline="-25000" dirty="0" err="1">
+              <a:rPr lang="en-US" baseline="30000" dirty="0" err="1">
                 <a:latin typeface="Times New Roman" panose="02020603050405020304" pitchFamily="18" charset="0"/>
                 <a:cs typeface="Times New Roman" panose="02020603050405020304" pitchFamily="18" charset="0"/>
               </a:rPr>
               <a:t>i</a:t>
             </a:r>
-            <a:endParaRPr lang="en-US" baseline="-25000" dirty="0">
+            <a:endParaRPr lang="en-US" baseline="30000" dirty="0">
               <a:latin typeface="Times New Roman" panose="02020603050405020304" pitchFamily="18" charset="0"/>
               <a:cs typeface="Times New Roman" panose="02020603050405020304" pitchFamily="18" charset="0"/>
             </a:endParaRPr>

--- a/figures/hydra_convolution.pptx
+++ b/figures/hydra_convolution.pptx
@@ -261,7 +261,7 @@
           <a:p>
             <a:fld id="{7D10E029-D8E7-C143-B420-7D5B37D2406E}" type="datetimeFigureOut">
               <a:rPr lang="en-US" smtClean="0"/>
-              <a:t>7/15/25</a:t>
+              <a:t>1/17/26</a:t>
             </a:fld>
             <a:endParaRPr lang="en-US"/>
           </a:p>
@@ -461,7 +461,7 @@
           <a:p>
             <a:fld id="{7D10E029-D8E7-C143-B420-7D5B37D2406E}" type="datetimeFigureOut">
               <a:rPr lang="en-US" smtClean="0"/>
-              <a:t>7/15/25</a:t>
+              <a:t>1/17/26</a:t>
             </a:fld>
             <a:endParaRPr lang="en-US"/>
           </a:p>
@@ -671,7 +671,7 @@
           <a:p>
             <a:fld id="{7D10E029-D8E7-C143-B420-7D5B37D2406E}" type="datetimeFigureOut">
               <a:rPr lang="en-US" smtClean="0"/>
-              <a:t>7/15/25</a:t>
+              <a:t>1/17/26</a:t>
             </a:fld>
             <a:endParaRPr lang="en-US"/>
           </a:p>
@@ -871,7 +871,7 @@
           <a:p>
             <a:fld id="{7D10E029-D8E7-C143-B420-7D5B37D2406E}" type="datetimeFigureOut">
               <a:rPr lang="en-US" smtClean="0"/>
-              <a:t>7/15/25</a:t>
+              <a:t>1/17/26</a:t>
             </a:fld>
             <a:endParaRPr lang="en-US"/>
           </a:p>
@@ -1147,7 +1147,7 @@
           <a:p>
             <a:fld id="{7D10E029-D8E7-C143-B420-7D5B37D2406E}" type="datetimeFigureOut">
               <a:rPr lang="en-US" smtClean="0"/>
-              <a:t>7/15/25</a:t>
+              <a:t>1/17/26</a:t>
             </a:fld>
             <a:endParaRPr lang="en-US"/>
           </a:p>
@@ -1415,7 +1415,7 @@
           <a:p>
             <a:fld id="{7D10E029-D8E7-C143-B420-7D5B37D2406E}" type="datetimeFigureOut">
               <a:rPr lang="en-US" smtClean="0"/>
-              <a:t>7/15/25</a:t>
+              <a:t>1/17/26</a:t>
             </a:fld>
             <a:endParaRPr lang="en-US"/>
           </a:p>
@@ -1830,7 +1830,7 @@
           <a:p>
             <a:fld id="{7D10E029-D8E7-C143-B420-7D5B37D2406E}" type="datetimeFigureOut">
               <a:rPr lang="en-US" smtClean="0"/>
-              <a:t>7/15/25</a:t>
+              <a:t>1/17/26</a:t>
             </a:fld>
             <a:endParaRPr lang="en-US"/>
           </a:p>
@@ -1972,7 +1972,7 @@
           <a:p>
             <a:fld id="{7D10E029-D8E7-C143-B420-7D5B37D2406E}" type="datetimeFigureOut">
               <a:rPr lang="en-US" smtClean="0"/>
-              <a:t>7/15/25</a:t>
+              <a:t>1/17/26</a:t>
             </a:fld>
             <a:endParaRPr lang="en-US"/>
           </a:p>
@@ -2085,7 +2085,7 @@
           <a:p>
             <a:fld id="{7D10E029-D8E7-C143-B420-7D5B37D2406E}" type="datetimeFigureOut">
               <a:rPr lang="en-US" smtClean="0"/>
-              <a:t>7/15/25</a:t>
+              <a:t>1/17/26</a:t>
             </a:fld>
             <a:endParaRPr lang="en-US"/>
           </a:p>
@@ -2398,7 +2398,7 @@
           <a:p>
             <a:fld id="{7D10E029-D8E7-C143-B420-7D5B37D2406E}" type="datetimeFigureOut">
               <a:rPr lang="en-US" smtClean="0"/>
-              <a:t>7/15/25</a:t>
+              <a:t>1/17/26</a:t>
             </a:fld>
             <a:endParaRPr lang="en-US"/>
           </a:p>
@@ -2687,7 +2687,7 @@
           <a:p>
             <a:fld id="{7D10E029-D8E7-C143-B420-7D5B37D2406E}" type="datetimeFigureOut">
               <a:rPr lang="en-US" smtClean="0"/>
-              <a:t>7/15/25</a:t>
+              <a:t>1/17/26</a:t>
             </a:fld>
             <a:endParaRPr lang="en-US"/>
           </a:p>
@@ -2930,7 +2930,7 @@
           <a:p>
             <a:fld id="{7D10E029-D8E7-C143-B420-7D5B37D2406E}" type="datetimeFigureOut">
               <a:rPr lang="en-US" smtClean="0"/>
-              <a:t>7/15/25</a:t>
+              <a:t>1/17/26</a:t>
             </a:fld>
             <a:endParaRPr lang="en-US"/>
           </a:p>
@@ -3347,6 +3347,236 @@
           <a:chExt cx="0" cy="0"/>
         </a:xfrm>
       </p:grpSpPr>
+      <p:graphicFrame>
+        <p:nvGraphicFramePr>
+          <p:cNvPr id="9" name="Table 8">
+            <a:extLst>
+              <a:ext uri="{FF2B5EF4-FFF2-40B4-BE49-F238E27FC236}">
+                <a16:creationId xmlns:a16="http://schemas.microsoft.com/office/drawing/2014/main" id="{D3270046-84FA-A0E2-D42F-75ED789EE107}"/>
+              </a:ext>
+            </a:extLst>
+          </p:cNvPr>
+          <p:cNvGraphicFramePr>
+            <a:graphicFrameLocks noGrp="1"/>
+          </p:cNvGraphicFramePr>
+          <p:nvPr>
+            <p:extLst>
+              <p:ext uri="{D42A27DB-BD31-4B8C-83A1-F6EECF244321}">
+                <p14:modId xmlns:p14="http://schemas.microsoft.com/office/powerpoint/2010/main" val="885543494"/>
+              </p:ext>
+            </p:extLst>
+          </p:nvPr>
+        </p:nvGraphicFramePr>
+        <p:xfrm>
+          <a:off x="2751880" y="1067992"/>
+          <a:ext cx="1375344" cy="365760"/>
+        </p:xfrm>
+        <a:graphic>
+          <a:graphicData uri="http://schemas.openxmlformats.org/drawingml/2006/table">
+            <a:tbl>
+              <a:tblPr firstRow="1" bandRow="1">
+                <a:tableStyleId>{5C22544A-7EE6-4342-B048-85BDC9FD1C3A}</a:tableStyleId>
+              </a:tblPr>
+              <a:tblGrid>
+                <a:gridCol w="458448">
+                  <a:extLst>
+                    <a:ext uri="{9D8B030D-6E8A-4147-A177-3AD203B41FA5}">
+                      <a16:colId xmlns:a16="http://schemas.microsoft.com/office/drawing/2014/main" val="1729946748"/>
+                    </a:ext>
+                  </a:extLst>
+                </a:gridCol>
+                <a:gridCol w="458448">
+                  <a:extLst>
+                    <a:ext uri="{9D8B030D-6E8A-4147-A177-3AD203B41FA5}">
+                      <a16:colId xmlns:a16="http://schemas.microsoft.com/office/drawing/2014/main" val="636950927"/>
+                    </a:ext>
+                  </a:extLst>
+                </a:gridCol>
+                <a:gridCol w="458448">
+                  <a:extLst>
+                    <a:ext uri="{9D8B030D-6E8A-4147-A177-3AD203B41FA5}">
+                      <a16:colId xmlns:a16="http://schemas.microsoft.com/office/drawing/2014/main" val="4145657548"/>
+                    </a:ext>
+                  </a:extLst>
+                </a:gridCol>
+              </a:tblGrid>
+              <a:tr h="0">
+                <a:tc>
+                  <a:txBody>
+                    <a:bodyPr/>
+                    <a:lstStyle/>
+                    <a:p>
+                      <a:endParaRPr lang="en-US" dirty="0">
+                        <a:latin typeface="Times New Roman" panose="02020603050405020304" pitchFamily="18" charset="0"/>
+                        <a:cs typeface="Times New Roman" panose="02020603050405020304" pitchFamily="18" charset="0"/>
+                      </a:endParaRPr>
+                    </a:p>
+                  </a:txBody>
+                  <a:tcPr>
+                    <a:solidFill>
+                      <a:srgbClr val="FF0000"/>
+                    </a:solidFill>
+                  </a:tcPr>
+                </a:tc>
+                <a:tc>
+                  <a:txBody>
+                    <a:bodyPr/>
+                    <a:lstStyle/>
+                    <a:p>
+                      <a:endParaRPr lang="en-US" dirty="0">
+                        <a:latin typeface="Times New Roman" panose="02020603050405020304" pitchFamily="18" charset="0"/>
+                        <a:cs typeface="Times New Roman" panose="02020603050405020304" pitchFamily="18" charset="0"/>
+                      </a:endParaRPr>
+                    </a:p>
+                  </a:txBody>
+                  <a:tcPr>
+                    <a:solidFill>
+                      <a:srgbClr val="00B050"/>
+                    </a:solidFill>
+                  </a:tcPr>
+                </a:tc>
+                <a:tc>
+                  <a:txBody>
+                    <a:bodyPr/>
+                    <a:lstStyle/>
+                    <a:p>
+                      <a:endParaRPr lang="en-US" dirty="0">
+                        <a:latin typeface="Times New Roman" panose="02020603050405020304" pitchFamily="18" charset="0"/>
+                        <a:cs typeface="Times New Roman" panose="02020603050405020304" pitchFamily="18" charset="0"/>
+                      </a:endParaRPr>
+                    </a:p>
+                  </a:txBody>
+                  <a:tcPr>
+                    <a:solidFill>
+                      <a:srgbClr val="C00000"/>
+                    </a:solidFill>
+                  </a:tcPr>
+                </a:tc>
+                <a:extLst>
+                  <a:ext uri="{0D108BD9-81ED-4DB2-BD59-A6C34878D82A}">
+                    <a16:rowId xmlns:a16="http://schemas.microsoft.com/office/drawing/2014/main" val="2233463859"/>
+                  </a:ext>
+                </a:extLst>
+              </a:tr>
+            </a:tbl>
+          </a:graphicData>
+        </a:graphic>
+      </p:graphicFrame>
+      <p:graphicFrame>
+        <p:nvGraphicFramePr>
+          <p:cNvPr id="6" name="Table 5">
+            <a:extLst>
+              <a:ext uri="{FF2B5EF4-FFF2-40B4-BE49-F238E27FC236}">
+                <a16:creationId xmlns:a16="http://schemas.microsoft.com/office/drawing/2014/main" id="{6BD230D8-ED06-DD4F-D7A7-311DF007AA3E}"/>
+              </a:ext>
+            </a:extLst>
+          </p:cNvPr>
+          <p:cNvGraphicFramePr>
+            <a:graphicFrameLocks noGrp="1"/>
+          </p:cNvGraphicFramePr>
+          <p:nvPr>
+            <p:extLst>
+              <p:ext uri="{D42A27DB-BD31-4B8C-83A1-F6EECF244321}">
+                <p14:modId xmlns:p14="http://schemas.microsoft.com/office/powerpoint/2010/main" val="3702807523"/>
+              </p:ext>
+            </p:extLst>
+          </p:nvPr>
+        </p:nvGraphicFramePr>
+        <p:xfrm>
+          <a:off x="2628767" y="1184337"/>
+          <a:ext cx="1375344" cy="365760"/>
+        </p:xfrm>
+        <a:graphic>
+          <a:graphicData uri="http://schemas.openxmlformats.org/drawingml/2006/table">
+            <a:tbl>
+              <a:tblPr firstRow="1" bandRow="1">
+                <a:tableStyleId>{5C22544A-7EE6-4342-B048-85BDC9FD1C3A}</a:tableStyleId>
+              </a:tblPr>
+              <a:tblGrid>
+                <a:gridCol w="458448">
+                  <a:extLst>
+                    <a:ext uri="{9D8B030D-6E8A-4147-A177-3AD203B41FA5}">
+                      <a16:colId xmlns:a16="http://schemas.microsoft.com/office/drawing/2014/main" val="1729946748"/>
+                    </a:ext>
+                  </a:extLst>
+                </a:gridCol>
+                <a:gridCol w="458448">
+                  <a:extLst>
+                    <a:ext uri="{9D8B030D-6E8A-4147-A177-3AD203B41FA5}">
+                      <a16:colId xmlns:a16="http://schemas.microsoft.com/office/drawing/2014/main" val="636950927"/>
+                    </a:ext>
+                  </a:extLst>
+                </a:gridCol>
+                <a:gridCol w="458448">
+                  <a:extLst>
+                    <a:ext uri="{9D8B030D-6E8A-4147-A177-3AD203B41FA5}">
+                      <a16:colId xmlns:a16="http://schemas.microsoft.com/office/drawing/2014/main" val="4145657548"/>
+                    </a:ext>
+                  </a:extLst>
+                </a:gridCol>
+              </a:tblGrid>
+              <a:tr h="0">
+                <a:tc>
+                  <a:txBody>
+                    <a:bodyPr/>
+                    <a:lstStyle/>
+                    <a:p>
+                      <a:endParaRPr lang="en-US" dirty="0">
+                        <a:latin typeface="Times New Roman" panose="02020603050405020304" pitchFamily="18" charset="0"/>
+                        <a:cs typeface="Times New Roman" panose="02020603050405020304" pitchFamily="18" charset="0"/>
+                      </a:endParaRPr>
+                    </a:p>
+                  </a:txBody>
+                  <a:tcPr>
+                    <a:solidFill>
+                      <a:srgbClr val="FF0000"/>
+                    </a:solidFill>
+                  </a:tcPr>
+                </a:tc>
+                <a:tc>
+                  <a:txBody>
+                    <a:bodyPr/>
+                    <a:lstStyle/>
+                    <a:p>
+                      <a:endParaRPr lang="en-US" dirty="0">
+                        <a:latin typeface="Times New Roman" panose="02020603050405020304" pitchFamily="18" charset="0"/>
+                        <a:cs typeface="Times New Roman" panose="02020603050405020304" pitchFamily="18" charset="0"/>
+                      </a:endParaRPr>
+                    </a:p>
+                  </a:txBody>
+                  <a:tcPr>
+                    <a:solidFill>
+                      <a:srgbClr val="00B050"/>
+                    </a:solidFill>
+                  </a:tcPr>
+                </a:tc>
+                <a:tc>
+                  <a:txBody>
+                    <a:bodyPr/>
+                    <a:lstStyle/>
+                    <a:p>
+                      <a:endParaRPr lang="en-US" dirty="0">
+                        <a:latin typeface="Times New Roman" panose="02020603050405020304" pitchFamily="18" charset="0"/>
+                        <a:cs typeface="Times New Roman" panose="02020603050405020304" pitchFamily="18" charset="0"/>
+                      </a:endParaRPr>
+                    </a:p>
+                  </a:txBody>
+                  <a:tcPr>
+                    <a:solidFill>
+                      <a:srgbClr val="C00000"/>
+                    </a:solidFill>
+                  </a:tcPr>
+                </a:tc>
+                <a:extLst>
+                  <a:ext uri="{0D108BD9-81ED-4DB2-BD59-A6C34878D82A}">
+                    <a16:rowId xmlns:a16="http://schemas.microsoft.com/office/drawing/2014/main" val="2233463859"/>
+                  </a:ext>
+                </a:extLst>
+              </a:tr>
+            </a:tbl>
+          </a:graphicData>
+        </a:graphic>
+      </p:graphicFrame>
       <p:pic>
         <p:nvPicPr>
           <p:cNvPr id="18" name="Picture 17">
